--- a/KernelDeveloperGuide/pptx/overview.pptx
+++ b/KernelDeveloperGuide/pptx/overview.pptx
@@ -5524,16 +5524,9 @@
             <a:pPr algn="ctr"/>
             <a:r>
               <a:rPr lang="en-US" dirty="0" smtClean="0"/>
-              <a:t>Application Framework (e.g. </a:t>
-            </a:r>
-            <a:r>
-              <a:rPr lang="en-US" dirty="0" err="1" smtClean="0"/>
-              <a:t>Wadapps</a:t>
-            </a:r>
-            <a:r>
-              <a:rPr lang="en-US" dirty="0" smtClean="0"/>
-              <a:t>)</a:t>
-            </a:r>
+              <a:t>Kernel Application Framework</a:t>
+            </a:r>
+            <a:endParaRPr lang="en-US" dirty="0" smtClean="0"/>
           </a:p>
         </p:txBody>
       </p:sp>
@@ -6035,8 +6028,9 @@
             <a:pPr algn="ctr"/>
             <a:r>
               <a:rPr lang="en-US" sz="1200" dirty="0" smtClean="0"/>
-              <a:t>Resident</a:t>
-            </a:r>
+              <a:t>System</a:t>
+            </a:r>
+            <a:endParaRPr lang="en-US" sz="1200" dirty="0" smtClean="0"/>
           </a:p>
           <a:p>
             <a:pPr algn="ctr"/>

--- a/KernelDeveloperGuide/pptx/overview.pptx
+++ b/KernelDeveloperGuide/pptx/overview.pptx
@@ -4657,340 +4657,6 @@
       </p:grpSpPr>
       <p:sp>
         <p:nvSpPr>
-          <p:cNvPr id="2" name="Rectangle 1"/>
-          <p:cNvSpPr/>
-          <p:nvPr/>
-        </p:nvSpPr>
-        <p:spPr>
-          <a:xfrm>
-            <a:off x="1026641" y="1196752"/>
-            <a:ext cx="6480720" cy="4754818"/>
-          </a:xfrm>
-          <a:custGeom>
-            <a:avLst/>
-            <a:gdLst>
-              <a:gd name="connsiteX0" fmla="*/ 0 w 6696744"/>
-              <a:gd name="connsiteY0" fmla="*/ 0 h 4896544"/>
-              <a:gd name="connsiteX1" fmla="*/ 6696744 w 6696744"/>
-              <a:gd name="connsiteY1" fmla="*/ 0 h 4896544"/>
-              <a:gd name="connsiteX2" fmla="*/ 6696744 w 6696744"/>
-              <a:gd name="connsiteY2" fmla="*/ 4896544 h 4896544"/>
-              <a:gd name="connsiteX3" fmla="*/ 0 w 6696744"/>
-              <a:gd name="connsiteY3" fmla="*/ 4896544 h 4896544"/>
-              <a:gd name="connsiteX4" fmla="*/ 0 w 6696744"/>
-              <a:gd name="connsiteY4" fmla="*/ 0 h 4896544"/>
-              <a:gd name="connsiteX0" fmla="*/ 0 w 6696744"/>
-              <a:gd name="connsiteY0" fmla="*/ 341 h 4896885"/>
-              <a:gd name="connsiteX1" fmla="*/ 4151847 w 6696744"/>
-              <a:gd name="connsiteY1" fmla="*/ 0 h 4896885"/>
-              <a:gd name="connsiteX2" fmla="*/ 6696744 w 6696744"/>
-              <a:gd name="connsiteY2" fmla="*/ 341 h 4896885"/>
-              <a:gd name="connsiteX3" fmla="*/ 6696744 w 6696744"/>
-              <a:gd name="connsiteY3" fmla="*/ 4896885 h 4896885"/>
-              <a:gd name="connsiteX4" fmla="*/ 0 w 6696744"/>
-              <a:gd name="connsiteY4" fmla="*/ 4896885 h 4896885"/>
-              <a:gd name="connsiteX5" fmla="*/ 0 w 6696744"/>
-              <a:gd name="connsiteY5" fmla="*/ 341 h 4896885"/>
-              <a:gd name="connsiteX0" fmla="*/ 0 w 6696744"/>
-              <a:gd name="connsiteY0" fmla="*/ 0 h 4896544"/>
-              <a:gd name="connsiteX1" fmla="*/ 4172628 w 6696744"/>
-              <a:gd name="connsiteY1" fmla="*/ 1028359 h 4896544"/>
-              <a:gd name="connsiteX2" fmla="*/ 6696744 w 6696744"/>
-              <a:gd name="connsiteY2" fmla="*/ 0 h 4896544"/>
-              <a:gd name="connsiteX3" fmla="*/ 6696744 w 6696744"/>
-              <a:gd name="connsiteY3" fmla="*/ 4896544 h 4896544"/>
-              <a:gd name="connsiteX4" fmla="*/ 0 w 6696744"/>
-              <a:gd name="connsiteY4" fmla="*/ 4896544 h 4896544"/>
-              <a:gd name="connsiteX5" fmla="*/ 0 w 6696744"/>
-              <a:gd name="connsiteY5" fmla="*/ 0 h 4896544"/>
-              <a:gd name="connsiteX0" fmla="*/ 0 w 6696744"/>
-              <a:gd name="connsiteY0" fmla="*/ 21123 h 4917667"/>
-              <a:gd name="connsiteX1" fmla="*/ 4234974 w 6696744"/>
-              <a:gd name="connsiteY1" fmla="*/ 0 h 4917667"/>
-              <a:gd name="connsiteX2" fmla="*/ 6696744 w 6696744"/>
-              <a:gd name="connsiteY2" fmla="*/ 21123 h 4917667"/>
-              <a:gd name="connsiteX3" fmla="*/ 6696744 w 6696744"/>
-              <a:gd name="connsiteY3" fmla="*/ 4917667 h 4917667"/>
-              <a:gd name="connsiteX4" fmla="*/ 0 w 6696744"/>
-              <a:gd name="connsiteY4" fmla="*/ 4917667 h 4917667"/>
-              <a:gd name="connsiteX5" fmla="*/ 0 w 6696744"/>
-              <a:gd name="connsiteY5" fmla="*/ 21123 h 4917667"/>
-              <a:gd name="connsiteX0" fmla="*/ 0 w 6696744"/>
-              <a:gd name="connsiteY0" fmla="*/ 21123 h 4917667"/>
-              <a:gd name="connsiteX1" fmla="*/ 4370056 w 6696744"/>
-              <a:gd name="connsiteY1" fmla="*/ 0 h 4917667"/>
-              <a:gd name="connsiteX2" fmla="*/ 6696744 w 6696744"/>
-              <a:gd name="connsiteY2" fmla="*/ 21123 h 4917667"/>
-              <a:gd name="connsiteX3" fmla="*/ 6696744 w 6696744"/>
-              <a:gd name="connsiteY3" fmla="*/ 4917667 h 4917667"/>
-              <a:gd name="connsiteX4" fmla="*/ 0 w 6696744"/>
-              <a:gd name="connsiteY4" fmla="*/ 4917667 h 4917667"/>
-              <a:gd name="connsiteX5" fmla="*/ 0 w 6696744"/>
-              <a:gd name="connsiteY5" fmla="*/ 21123 h 4917667"/>
-              <a:gd name="connsiteX0" fmla="*/ 0 w 6696744"/>
-              <a:gd name="connsiteY0" fmla="*/ 21123 h 4917667"/>
-              <a:gd name="connsiteX1" fmla="*/ 4370056 w 6696744"/>
-              <a:gd name="connsiteY1" fmla="*/ 0 h 4917667"/>
-              <a:gd name="connsiteX2" fmla="*/ 5658528 w 6696744"/>
-              <a:gd name="connsiteY2" fmla="*/ 10392 h 4917667"/>
-              <a:gd name="connsiteX3" fmla="*/ 6696744 w 6696744"/>
-              <a:gd name="connsiteY3" fmla="*/ 21123 h 4917667"/>
-              <a:gd name="connsiteX4" fmla="*/ 6696744 w 6696744"/>
-              <a:gd name="connsiteY4" fmla="*/ 4917667 h 4917667"/>
-              <a:gd name="connsiteX5" fmla="*/ 0 w 6696744"/>
-              <a:gd name="connsiteY5" fmla="*/ 4917667 h 4917667"/>
-              <a:gd name="connsiteX6" fmla="*/ 0 w 6696744"/>
-              <a:gd name="connsiteY6" fmla="*/ 21123 h 4917667"/>
-              <a:gd name="connsiteX0" fmla="*/ 0 w 6696744"/>
-              <a:gd name="connsiteY0" fmla="*/ 21123 h 4917667"/>
-              <a:gd name="connsiteX1" fmla="*/ 4370056 w 6696744"/>
-              <a:gd name="connsiteY1" fmla="*/ 0 h 4917667"/>
-              <a:gd name="connsiteX2" fmla="*/ 4370056 w 6696744"/>
-              <a:gd name="connsiteY2" fmla="*/ 1194956 h 4917667"/>
-              <a:gd name="connsiteX3" fmla="*/ 6696744 w 6696744"/>
-              <a:gd name="connsiteY3" fmla="*/ 21123 h 4917667"/>
-              <a:gd name="connsiteX4" fmla="*/ 6696744 w 6696744"/>
-              <a:gd name="connsiteY4" fmla="*/ 4917667 h 4917667"/>
-              <a:gd name="connsiteX5" fmla="*/ 0 w 6696744"/>
-              <a:gd name="connsiteY5" fmla="*/ 4917667 h 4917667"/>
-              <a:gd name="connsiteX6" fmla="*/ 0 w 6696744"/>
-              <a:gd name="connsiteY6" fmla="*/ 21123 h 4917667"/>
-              <a:gd name="connsiteX0" fmla="*/ 0 w 6696744"/>
-              <a:gd name="connsiteY0" fmla="*/ 21123 h 4917667"/>
-              <a:gd name="connsiteX1" fmla="*/ 4370056 w 6696744"/>
-              <a:gd name="connsiteY1" fmla="*/ 0 h 4917667"/>
-              <a:gd name="connsiteX2" fmla="*/ 4370056 w 6696744"/>
-              <a:gd name="connsiteY2" fmla="*/ 1194956 h 4917667"/>
-              <a:gd name="connsiteX3" fmla="*/ 6696744 w 6696744"/>
-              <a:gd name="connsiteY3" fmla="*/ 1184905 h 4917667"/>
-              <a:gd name="connsiteX4" fmla="*/ 6696744 w 6696744"/>
-              <a:gd name="connsiteY4" fmla="*/ 4917667 h 4917667"/>
-              <a:gd name="connsiteX5" fmla="*/ 0 w 6696744"/>
-              <a:gd name="connsiteY5" fmla="*/ 4917667 h 4917667"/>
-              <a:gd name="connsiteX6" fmla="*/ 0 w 6696744"/>
-              <a:gd name="connsiteY6" fmla="*/ 21123 h 4917667"/>
-              <a:gd name="connsiteX0" fmla="*/ 0 w 6696744"/>
-              <a:gd name="connsiteY0" fmla="*/ 21123 h 4917667"/>
-              <a:gd name="connsiteX1" fmla="*/ 4328492 w 6696744"/>
-              <a:gd name="connsiteY1" fmla="*/ 0 h 4917667"/>
-              <a:gd name="connsiteX2" fmla="*/ 4370056 w 6696744"/>
-              <a:gd name="connsiteY2" fmla="*/ 1194956 h 4917667"/>
-              <a:gd name="connsiteX3" fmla="*/ 6696744 w 6696744"/>
-              <a:gd name="connsiteY3" fmla="*/ 1184905 h 4917667"/>
-              <a:gd name="connsiteX4" fmla="*/ 6696744 w 6696744"/>
-              <a:gd name="connsiteY4" fmla="*/ 4917667 h 4917667"/>
-              <a:gd name="connsiteX5" fmla="*/ 0 w 6696744"/>
-              <a:gd name="connsiteY5" fmla="*/ 4917667 h 4917667"/>
-              <a:gd name="connsiteX6" fmla="*/ 0 w 6696744"/>
-              <a:gd name="connsiteY6" fmla="*/ 21123 h 4917667"/>
-              <a:gd name="connsiteX0" fmla="*/ 0 w 6696744"/>
-              <a:gd name="connsiteY0" fmla="*/ 21123 h 4917667"/>
-              <a:gd name="connsiteX1" fmla="*/ 4328492 w 6696744"/>
-              <a:gd name="connsiteY1" fmla="*/ 0 h 4917667"/>
-              <a:gd name="connsiteX2" fmla="*/ 4328492 w 6696744"/>
-              <a:gd name="connsiteY2" fmla="*/ 1194956 h 4917667"/>
-              <a:gd name="connsiteX3" fmla="*/ 6696744 w 6696744"/>
-              <a:gd name="connsiteY3" fmla="*/ 1184905 h 4917667"/>
-              <a:gd name="connsiteX4" fmla="*/ 6696744 w 6696744"/>
-              <a:gd name="connsiteY4" fmla="*/ 4917667 h 4917667"/>
-              <a:gd name="connsiteX5" fmla="*/ 0 w 6696744"/>
-              <a:gd name="connsiteY5" fmla="*/ 4917667 h 4917667"/>
-              <a:gd name="connsiteX6" fmla="*/ 0 w 6696744"/>
-              <a:gd name="connsiteY6" fmla="*/ 21123 h 4917667"/>
-              <a:gd name="connsiteX0" fmla="*/ 0 w 6696744"/>
-              <a:gd name="connsiteY0" fmla="*/ 21123 h 4917667"/>
-              <a:gd name="connsiteX1" fmla="*/ 4478814 w 6696744"/>
-              <a:gd name="connsiteY1" fmla="*/ 0 h 4917667"/>
-              <a:gd name="connsiteX2" fmla="*/ 4328492 w 6696744"/>
-              <a:gd name="connsiteY2" fmla="*/ 1194956 h 4917667"/>
-              <a:gd name="connsiteX3" fmla="*/ 6696744 w 6696744"/>
-              <a:gd name="connsiteY3" fmla="*/ 1184905 h 4917667"/>
-              <a:gd name="connsiteX4" fmla="*/ 6696744 w 6696744"/>
-              <a:gd name="connsiteY4" fmla="*/ 4917667 h 4917667"/>
-              <a:gd name="connsiteX5" fmla="*/ 0 w 6696744"/>
-              <a:gd name="connsiteY5" fmla="*/ 4917667 h 4917667"/>
-              <a:gd name="connsiteX6" fmla="*/ 0 w 6696744"/>
-              <a:gd name="connsiteY6" fmla="*/ 21123 h 4917667"/>
-              <a:gd name="connsiteX0" fmla="*/ 0 w 6696744"/>
-              <a:gd name="connsiteY0" fmla="*/ 21123 h 4917667"/>
-              <a:gd name="connsiteX1" fmla="*/ 4478814 w 6696744"/>
-              <a:gd name="connsiteY1" fmla="*/ 0 h 4917667"/>
-              <a:gd name="connsiteX2" fmla="*/ 4489551 w 6696744"/>
-              <a:gd name="connsiteY2" fmla="*/ 1194956 h 4917667"/>
-              <a:gd name="connsiteX3" fmla="*/ 6696744 w 6696744"/>
-              <a:gd name="connsiteY3" fmla="*/ 1184905 h 4917667"/>
-              <a:gd name="connsiteX4" fmla="*/ 6696744 w 6696744"/>
-              <a:gd name="connsiteY4" fmla="*/ 4917667 h 4917667"/>
-              <a:gd name="connsiteX5" fmla="*/ 0 w 6696744"/>
-              <a:gd name="connsiteY5" fmla="*/ 4917667 h 4917667"/>
-              <a:gd name="connsiteX6" fmla="*/ 0 w 6696744"/>
-              <a:gd name="connsiteY6" fmla="*/ 21123 h 4917667"/>
-              <a:gd name="connsiteX0" fmla="*/ 0 w 6696744"/>
-              <a:gd name="connsiteY0" fmla="*/ 21123 h 4917667"/>
-              <a:gd name="connsiteX1" fmla="*/ 3523197 w 6696744"/>
-              <a:gd name="connsiteY1" fmla="*/ 0 h 4917667"/>
-              <a:gd name="connsiteX2" fmla="*/ 4489551 w 6696744"/>
-              <a:gd name="connsiteY2" fmla="*/ 1194956 h 4917667"/>
-              <a:gd name="connsiteX3" fmla="*/ 6696744 w 6696744"/>
-              <a:gd name="connsiteY3" fmla="*/ 1184905 h 4917667"/>
-              <a:gd name="connsiteX4" fmla="*/ 6696744 w 6696744"/>
-              <a:gd name="connsiteY4" fmla="*/ 4917667 h 4917667"/>
-              <a:gd name="connsiteX5" fmla="*/ 0 w 6696744"/>
-              <a:gd name="connsiteY5" fmla="*/ 4917667 h 4917667"/>
-              <a:gd name="connsiteX6" fmla="*/ 0 w 6696744"/>
-              <a:gd name="connsiteY6" fmla="*/ 21123 h 4917667"/>
-              <a:gd name="connsiteX0" fmla="*/ 0 w 6696744"/>
-              <a:gd name="connsiteY0" fmla="*/ 21123 h 4917667"/>
-              <a:gd name="connsiteX1" fmla="*/ 3523197 w 6696744"/>
-              <a:gd name="connsiteY1" fmla="*/ 0 h 4917667"/>
-              <a:gd name="connsiteX2" fmla="*/ 3555409 w 6696744"/>
-              <a:gd name="connsiteY2" fmla="*/ 1205125 h 4917667"/>
-              <a:gd name="connsiteX3" fmla="*/ 6696744 w 6696744"/>
-              <a:gd name="connsiteY3" fmla="*/ 1184905 h 4917667"/>
-              <a:gd name="connsiteX4" fmla="*/ 6696744 w 6696744"/>
-              <a:gd name="connsiteY4" fmla="*/ 4917667 h 4917667"/>
-              <a:gd name="connsiteX5" fmla="*/ 0 w 6696744"/>
-              <a:gd name="connsiteY5" fmla="*/ 4917667 h 4917667"/>
-              <a:gd name="connsiteX6" fmla="*/ 0 w 6696744"/>
-              <a:gd name="connsiteY6" fmla="*/ 21123 h 4917667"/>
-              <a:gd name="connsiteX0" fmla="*/ 0 w 6696744"/>
-              <a:gd name="connsiteY0" fmla="*/ 265179 h 4917667"/>
-              <a:gd name="connsiteX1" fmla="*/ 3523197 w 6696744"/>
-              <a:gd name="connsiteY1" fmla="*/ 0 h 4917667"/>
-              <a:gd name="connsiteX2" fmla="*/ 3555409 w 6696744"/>
-              <a:gd name="connsiteY2" fmla="*/ 1205125 h 4917667"/>
-              <a:gd name="connsiteX3" fmla="*/ 6696744 w 6696744"/>
-              <a:gd name="connsiteY3" fmla="*/ 1184905 h 4917667"/>
-              <a:gd name="connsiteX4" fmla="*/ 6696744 w 6696744"/>
-              <a:gd name="connsiteY4" fmla="*/ 4917667 h 4917667"/>
-              <a:gd name="connsiteX5" fmla="*/ 0 w 6696744"/>
-              <a:gd name="connsiteY5" fmla="*/ 4917667 h 4917667"/>
-              <a:gd name="connsiteX6" fmla="*/ 0 w 6696744"/>
-              <a:gd name="connsiteY6" fmla="*/ 265179 h 4917667"/>
-              <a:gd name="connsiteX0" fmla="*/ 0 w 6696744"/>
-              <a:gd name="connsiteY0" fmla="*/ 785 h 4653273"/>
-              <a:gd name="connsiteX1" fmla="*/ 3533935 w 6696744"/>
-              <a:gd name="connsiteY1" fmla="*/ 0 h 4653273"/>
-              <a:gd name="connsiteX2" fmla="*/ 3555409 w 6696744"/>
-              <a:gd name="connsiteY2" fmla="*/ 940731 h 4653273"/>
-              <a:gd name="connsiteX3" fmla="*/ 6696744 w 6696744"/>
-              <a:gd name="connsiteY3" fmla="*/ 920511 h 4653273"/>
-              <a:gd name="connsiteX4" fmla="*/ 6696744 w 6696744"/>
-              <a:gd name="connsiteY4" fmla="*/ 4653273 h 4653273"/>
-              <a:gd name="connsiteX5" fmla="*/ 0 w 6696744"/>
-              <a:gd name="connsiteY5" fmla="*/ 4653273 h 4653273"/>
-              <a:gd name="connsiteX6" fmla="*/ 0 w 6696744"/>
-              <a:gd name="connsiteY6" fmla="*/ 785 h 4653273"/>
-              <a:gd name="connsiteX0" fmla="*/ 0 w 6696744"/>
-              <a:gd name="connsiteY0" fmla="*/ 785 h 4653273"/>
-              <a:gd name="connsiteX1" fmla="*/ 3587622 w 6696744"/>
-              <a:gd name="connsiteY1" fmla="*/ 0 h 4653273"/>
-              <a:gd name="connsiteX2" fmla="*/ 3555409 w 6696744"/>
-              <a:gd name="connsiteY2" fmla="*/ 940731 h 4653273"/>
-              <a:gd name="connsiteX3" fmla="*/ 6696744 w 6696744"/>
-              <a:gd name="connsiteY3" fmla="*/ 920511 h 4653273"/>
-              <a:gd name="connsiteX4" fmla="*/ 6696744 w 6696744"/>
-              <a:gd name="connsiteY4" fmla="*/ 4653273 h 4653273"/>
-              <a:gd name="connsiteX5" fmla="*/ 0 w 6696744"/>
-              <a:gd name="connsiteY5" fmla="*/ 4653273 h 4653273"/>
-              <a:gd name="connsiteX6" fmla="*/ 0 w 6696744"/>
-              <a:gd name="connsiteY6" fmla="*/ 785 h 4653273"/>
-              <a:gd name="connsiteX0" fmla="*/ 0 w 6696744"/>
-              <a:gd name="connsiteY0" fmla="*/ 785 h 4653273"/>
-              <a:gd name="connsiteX1" fmla="*/ 3587622 w 6696744"/>
-              <a:gd name="connsiteY1" fmla="*/ 0 h 4653273"/>
-              <a:gd name="connsiteX2" fmla="*/ 3598358 w 6696744"/>
-              <a:gd name="connsiteY2" fmla="*/ 940731 h 4653273"/>
-              <a:gd name="connsiteX3" fmla="*/ 6696744 w 6696744"/>
-              <a:gd name="connsiteY3" fmla="*/ 920511 h 4653273"/>
-              <a:gd name="connsiteX4" fmla="*/ 6696744 w 6696744"/>
-              <a:gd name="connsiteY4" fmla="*/ 4653273 h 4653273"/>
-              <a:gd name="connsiteX5" fmla="*/ 0 w 6696744"/>
-              <a:gd name="connsiteY5" fmla="*/ 4653273 h 4653273"/>
-              <a:gd name="connsiteX6" fmla="*/ 0 w 6696744"/>
-              <a:gd name="connsiteY6" fmla="*/ 785 h 4653273"/>
-            </a:gdLst>
-            <a:ahLst/>
-            <a:cxnLst>
-              <a:cxn ang="0">
-                <a:pos x="connsiteX0" y="connsiteY0"/>
-              </a:cxn>
-              <a:cxn ang="0">
-                <a:pos x="connsiteX1" y="connsiteY1"/>
-              </a:cxn>
-              <a:cxn ang="0">
-                <a:pos x="connsiteX2" y="connsiteY2"/>
-              </a:cxn>
-              <a:cxn ang="0">
-                <a:pos x="connsiteX3" y="connsiteY3"/>
-              </a:cxn>
-              <a:cxn ang="0">
-                <a:pos x="connsiteX4" y="connsiteY4"/>
-              </a:cxn>
-              <a:cxn ang="0">
-                <a:pos x="connsiteX5" y="connsiteY5"/>
-              </a:cxn>
-              <a:cxn ang="0">
-                <a:pos x="connsiteX6" y="connsiteY6"/>
-              </a:cxn>
-            </a:cxnLst>
-            <a:rect l="l" t="t" r="r" b="b"/>
-            <a:pathLst>
-              <a:path w="6696744" h="4653273">
-                <a:moveTo>
-                  <a:pt x="0" y="785"/>
-                </a:moveTo>
-                <a:lnTo>
-                  <a:pt x="3587622" y="0"/>
-                </a:lnTo>
-                <a:lnTo>
-                  <a:pt x="3598358" y="940731"/>
-                </a:lnTo>
-                <a:lnTo>
-                  <a:pt x="6696744" y="920511"/>
-                </a:lnTo>
-                <a:lnTo>
-                  <a:pt x="6696744" y="4653273"/>
-                </a:lnTo>
-                <a:lnTo>
-                  <a:pt x="0" y="4653273"/>
-                </a:lnTo>
-                <a:lnTo>
-                  <a:pt x="0" y="785"/>
-                </a:lnTo>
-                <a:close/>
-              </a:path>
-            </a:pathLst>
-          </a:custGeom>
-          <a:ln>
-            <a:prstDash val="dash"/>
-          </a:ln>
-        </p:spPr>
-        <p:style>
-          <a:lnRef idx="2">
-            <a:schemeClr val="accent1"/>
-          </a:lnRef>
-          <a:fillRef idx="1">
-            <a:schemeClr val="lt1"/>
-          </a:fillRef>
-          <a:effectRef idx="0">
-            <a:schemeClr val="accent1"/>
-          </a:effectRef>
-          <a:fontRef idx="minor">
-            <a:schemeClr val="dk1"/>
-          </a:fontRef>
-        </p:style>
-        <p:txBody>
-          <a:bodyPr rtlCol="0" anchor="ctr"/>
-          <a:lstStyle/>
-          <a:p>
-            <a:pPr algn="ctr"/>
-            <a:endParaRPr lang="en-US" dirty="0"/>
-          </a:p>
-        </p:txBody>
-      </p:sp>
-      <p:sp>
-        <p:nvSpPr>
           <p:cNvPr id="15" name="Rounded Rectangle 14"/>
           <p:cNvSpPr/>
           <p:nvPr/>
@@ -5524,7 +5190,7 @@
             <a:pPr algn="ctr"/>
             <a:r>
               <a:rPr lang="en-US" dirty="0" smtClean="0"/>
-              <a:t>Kernel Application Framework</a:t>
+              <a:t>Kernel Application &amp; Framework</a:t>
             </a:r>
             <a:endParaRPr lang="en-US" dirty="0" smtClean="0"/>
           </a:p>
@@ -5663,44 +5329,6 @@
       </p:sp>
       <p:sp>
         <p:nvSpPr>
-          <p:cNvPr id="11" name="TextBox 10"/>
-          <p:cNvSpPr txBox="1"/>
-          <p:nvPr/>
-        </p:nvSpPr>
-        <p:spPr>
-          <a:xfrm>
-            <a:off x="1005197" y="5694755"/>
-            <a:ext cx="1395638" cy="276999"/>
-          </a:xfrm>
-          <a:prstGeom prst="rect">
-            <a:avLst/>
-          </a:prstGeom>
-          <a:noFill/>
-        </p:spPr>
-        <p:txBody>
-          <a:bodyPr wrap="none" rtlCol="0">
-            <a:spAutoFit/>
-          </a:bodyPr>
-          <a:lstStyle/>
-          <a:p>
-            <a:r>
-              <a:rPr lang="en-US" sz="1200" b="1" dirty="0" smtClean="0">
-                <a:solidFill>
-                  <a:srgbClr val="FF0000"/>
-                </a:solidFill>
-              </a:rPr>
-              <a:t>Firmware boundary</a:t>
-            </a:r>
-            <a:endParaRPr lang="en-US" sz="1200" b="1" dirty="0">
-              <a:solidFill>
-                <a:srgbClr val="FF0000"/>
-              </a:solidFill>
-            </a:endParaRPr>
-          </a:p>
-        </p:txBody>
-      </p:sp>
-      <p:sp>
-        <p:nvSpPr>
           <p:cNvPr id="45" name="Up-Down Arrow 44"/>
           <p:cNvSpPr/>
           <p:nvPr/>
@@ -6028,7 +5656,7 @@
             <a:pPr algn="ctr"/>
             <a:r>
               <a:rPr lang="en-US" sz="1200" dirty="0" smtClean="0"/>
-              <a:t>System</a:t>
+              <a:t>Pre-installed</a:t>
             </a:r>
             <a:endParaRPr lang="en-US" sz="1200" dirty="0" smtClean="0"/>
           </a:p>

--- a/KernelDeveloperGuide/pptx/overview.pptx
+++ b/KernelDeveloperGuide/pptx/overview.pptx
@@ -721,10 +721,9 @@
           <a:lstStyle/>
           <a:p>
             <a:r>
-              <a:rPr lang="en-US" smtClean="0"/>
+              <a:rPr lang="en-US"/>
               <a:t>October 2015</a:t>
             </a:r>
-            <a:endParaRPr lang="en-US"/>
           </a:p>
         </p:txBody>
       </p:sp>
@@ -4691,7 +4690,7 @@
           <a:p>
             <a:pPr algn="ctr"/>
             <a:r>
-              <a:rPr lang="en-US" dirty="0" smtClean="0"/>
+              <a:rPr lang="en-US" dirty="0"/>
               <a:t>Foundation Libraries</a:t>
             </a:r>
           </a:p>
@@ -4713,7 +4712,7 @@
           <a:lstStyle/>
           <a:p>
             <a:r>
-              <a:rPr lang="fr-FR" smtClean="0"/>
+              <a:rPr lang="fr-FR"/>
               <a:t>Apr. 17</a:t>
             </a:r>
             <a:endParaRPr lang="en-US" dirty="0"/>
@@ -4762,10 +4761,9 @@
           <a:lstStyle/>
           <a:p>
             <a:r>
-              <a:rPr lang="en-US" sz="2000" dirty="0" smtClean="0"/>
+              <a:rPr lang="en-US" sz="2000" dirty="0"/>
               <a:t>Overall Architecture</a:t>
             </a:r>
-            <a:endParaRPr lang="en-US" sz="2000" dirty="0"/>
           </a:p>
         </p:txBody>
       </p:sp>
@@ -4805,10 +4803,9 @@
           <a:p>
             <a:pPr algn="ctr"/>
             <a:r>
-              <a:rPr lang="en-US" dirty="0" smtClean="0"/>
+              <a:rPr lang="en-US" dirty="0"/>
               <a:t>Target</a:t>
             </a:r>
-            <a:endParaRPr lang="en-US" dirty="0"/>
           </a:p>
         </p:txBody>
       </p:sp>
@@ -4848,10 +4845,9 @@
           <a:p>
             <a:pPr algn="ctr"/>
             <a:r>
-              <a:rPr lang="en-US" dirty="0" smtClean="0"/>
+              <a:rPr lang="en-US" dirty="0"/>
               <a:t>BSP / Drivers</a:t>
             </a:r>
-            <a:endParaRPr lang="en-US" dirty="0"/>
           </a:p>
         </p:txBody>
       </p:sp>
@@ -4891,7 +4887,7 @@
           <a:p>
             <a:pPr algn="ctr"/>
             <a:r>
-              <a:rPr lang="en-US" dirty="0" smtClean="0"/>
+              <a:rPr lang="en-US" dirty="0"/>
               <a:t>Legacy Libraries</a:t>
             </a:r>
           </a:p>
@@ -4933,7 +4929,7 @@
           <a:p>
             <a:pPr algn="ctr"/>
             <a:r>
-              <a:rPr lang="en-US" dirty="0" smtClean="0"/>
+              <a:rPr lang="en-US" dirty="0"/>
               <a:t>Core Engine</a:t>
             </a:r>
           </a:p>
@@ -4975,7 +4971,7 @@
           <a:p>
             <a:pPr algn="ctr"/>
             <a:r>
-              <a:rPr lang="en-US" dirty="0" smtClean="0"/>
+              <a:rPr lang="en-US" dirty="0"/>
               <a:t>Foundation Libraries</a:t>
             </a:r>
           </a:p>
@@ -5017,7 +5013,7 @@
           <a:p>
             <a:pPr algn="ctr"/>
             <a:r>
-              <a:rPr lang="en-US" dirty="0" smtClean="0"/>
+              <a:rPr lang="en-US" dirty="0"/>
               <a:t>Foundation Libraries</a:t>
             </a:r>
           </a:p>
@@ -5059,7 +5055,7 @@
           <a:p>
             <a:pPr algn="ctr"/>
             <a:r>
-              <a:rPr lang="en-US" dirty="0" smtClean="0"/>
+              <a:rPr lang="en-US" dirty="0"/>
               <a:t>Foundation Libraries</a:t>
             </a:r>
           </a:p>
@@ -5101,7 +5097,7 @@
           <a:p>
             <a:pPr algn="ctr"/>
             <a:r>
-              <a:rPr lang="en-US" dirty="0" smtClean="0"/>
+              <a:rPr lang="en-US" dirty="0"/>
               <a:t>Foundation Libraries</a:t>
             </a:r>
           </a:p>
@@ -5143,12 +5139,8 @@
           <a:p>
             <a:pPr algn="ctr"/>
             <a:r>
-              <a:rPr lang="en-US" dirty="0" smtClean="0"/>
-              <a:t>Add-on </a:t>
-            </a:r>
-            <a:r>
               <a:rPr lang="en-US" dirty="0"/>
-              <a:t>Libraries</a:t>
+              <a:t>Add-On Libraries</a:t>
             </a:r>
           </a:p>
         </p:txBody>
@@ -5189,10 +5181,9 @@
           <a:p>
             <a:pPr algn="ctr"/>
             <a:r>
-              <a:rPr lang="en-US" dirty="0" smtClean="0"/>
+              <a:rPr lang="en-US" dirty="0"/>
               <a:t>Kernel Application &amp; Framework</a:t>
             </a:r>
-            <a:endParaRPr lang="en-US" dirty="0" smtClean="0"/>
           </a:p>
         </p:txBody>
       </p:sp>
@@ -5232,7 +5223,7 @@
           <a:p>
             <a:pPr algn="ctr"/>
             <a:r>
-              <a:rPr lang="en-US" dirty="0" smtClean="0"/>
+              <a:rPr lang="en-US" dirty="0"/>
               <a:t>Legacy Libraries</a:t>
             </a:r>
           </a:p>
@@ -5274,8 +5265,8 @@
           <a:p>
             <a:pPr algn="ctr"/>
             <a:r>
-              <a:rPr lang="en-US" dirty="0" smtClean="0"/>
-              <a:t>C Libraries</a:t>
+              <a:rPr lang="en-US" dirty="0"/>
+              <a:t>Native Libraries</a:t>
             </a:r>
           </a:p>
         </p:txBody>
@@ -5320,7 +5311,7 @@
           <a:p>
             <a:pPr algn="ctr"/>
             <a:r>
-              <a:rPr lang="en-US" sz="1400" smtClean="0"/>
+              <a:rPr lang="en-US" sz="1400"/>
               <a:t>Kernel</a:t>
             </a:r>
             <a:endParaRPr lang="en-US" sz="1400" dirty="0"/>
@@ -5367,10 +5358,9 @@
           <a:p>
             <a:pPr algn="ctr"/>
             <a:r>
-              <a:rPr lang="en-US" sz="1400" dirty="0" smtClean="0"/>
+              <a:rPr lang="en-US" sz="1400" dirty="0"/>
               <a:t>Apps</a:t>
             </a:r>
-            <a:endParaRPr lang="en-US" sz="1400" dirty="0"/>
           </a:p>
         </p:txBody>
       </p:sp>
@@ -5410,14 +5400,14 @@
           <a:p>
             <a:pPr algn="ctr"/>
             <a:r>
-              <a:rPr lang="en-US" sz="1200" dirty="0" smtClean="0"/>
+              <a:rPr lang="en-US" sz="1200" dirty="0"/>
               <a:t>Downloaded</a:t>
             </a:r>
           </a:p>
           <a:p>
             <a:pPr algn="ctr"/>
             <a:r>
-              <a:rPr lang="en-US" sz="1200" dirty="0" smtClean="0"/>
+              <a:rPr lang="en-US" sz="1200" dirty="0"/>
               <a:t>Applications</a:t>
             </a:r>
           </a:p>
@@ -5459,14 +5449,14 @@
           <a:p>
             <a:pPr algn="ctr"/>
             <a:r>
-              <a:rPr lang="en-US" sz="1200" dirty="0" smtClean="0"/>
+              <a:rPr lang="en-US" sz="1200" dirty="0"/>
               <a:t>Downloaded</a:t>
             </a:r>
           </a:p>
           <a:p>
             <a:pPr algn="ctr"/>
             <a:r>
-              <a:rPr lang="en-US" sz="1200" dirty="0" smtClean="0"/>
+              <a:rPr lang="en-US" sz="1200" dirty="0"/>
               <a:t>Applications</a:t>
             </a:r>
           </a:p>
@@ -5508,14 +5498,14 @@
           <a:p>
             <a:pPr algn="ctr"/>
             <a:r>
-              <a:rPr lang="en-US" sz="1200" dirty="0" smtClean="0"/>
+              <a:rPr lang="en-US" sz="1200" dirty="0"/>
               <a:t>Downloaded</a:t>
             </a:r>
           </a:p>
           <a:p>
             <a:pPr algn="ctr"/>
             <a:r>
-              <a:rPr lang="en-US" sz="1200" dirty="0" smtClean="0"/>
+              <a:rPr lang="en-US" sz="1200" dirty="0"/>
               <a:t>Applications</a:t>
             </a:r>
           </a:p>
@@ -5557,14 +5547,14 @@
           <a:p>
             <a:pPr algn="ctr"/>
             <a:r>
-              <a:rPr lang="en-US" sz="1200" dirty="0" smtClean="0"/>
+              <a:rPr lang="en-US" sz="1200" dirty="0"/>
               <a:t>Downloaded</a:t>
             </a:r>
           </a:p>
           <a:p>
             <a:pPr algn="ctr"/>
             <a:r>
-              <a:rPr lang="en-US" sz="1200" dirty="0" smtClean="0"/>
+              <a:rPr lang="en-US" sz="1200" dirty="0"/>
               <a:t>Applications</a:t>
             </a:r>
           </a:p>
@@ -5606,14 +5596,14 @@
           <a:p>
             <a:pPr algn="ctr"/>
             <a:r>
-              <a:rPr lang="en-US" sz="1200" dirty="0" smtClean="0"/>
+              <a:rPr lang="en-US" sz="1200" dirty="0"/>
               <a:t>Downloaded</a:t>
             </a:r>
           </a:p>
           <a:p>
             <a:pPr algn="ctr"/>
             <a:r>
-              <a:rPr lang="en-US" sz="1200" dirty="0" smtClean="0"/>
+              <a:rPr lang="en-US" sz="1200" dirty="0"/>
               <a:t>Applications</a:t>
             </a:r>
           </a:p>
@@ -5655,15 +5645,14 @@
           <a:p>
             <a:pPr algn="ctr"/>
             <a:r>
-              <a:rPr lang="en-US" sz="1200" dirty="0" smtClean="0"/>
+              <a:rPr lang="en-US" sz="1200" dirty="0"/>
               <a:t>Pre-installed</a:t>
             </a:r>
-            <a:endParaRPr lang="en-US" sz="1200" dirty="0" smtClean="0"/>
           </a:p>
           <a:p>
             <a:pPr algn="ctr"/>
             <a:r>
-              <a:rPr lang="en-US" sz="1200" dirty="0" smtClean="0"/>
+              <a:rPr lang="en-US" sz="1200" dirty="0"/>
               <a:t>Applications</a:t>
             </a:r>
           </a:p>
@@ -5709,10 +5698,9 @@
           <a:p>
             <a:pPr algn="ctr"/>
             <a:r>
-              <a:rPr lang="en-US" sz="1400" dirty="0" smtClean="0"/>
-              <a:t>Platform</a:t>
-            </a:r>
-            <a:endParaRPr lang="en-US" sz="1400" dirty="0"/>
+              <a:rPr lang="en-US" sz="1400" dirty="0"/>
+              <a:t>VEE Port</a:t>
+            </a:r>
           </a:p>
         </p:txBody>
       </p:sp>
@@ -5726,13 +5714,6 @@
   <p:clrMapOvr>
     <a:masterClrMapping/>
   </p:clrMapOvr>
-  <p:timing>
-    <p:tnLst>
-      <p:par>
-        <p:cTn id="1" dur="indefinite" restart="never" nodeType="tmRoot"/>
-      </p:par>
-    </p:tnLst>
-  </p:timing>
 </p:sld>
 </file>
 

--- a/KernelDeveloperGuide/pptx/overview.pptx
+++ b/KernelDeveloperGuide/pptx/overview.pptx
@@ -4712,8 +4712,12 @@
           <a:lstStyle/>
           <a:p>
             <a:r>
-              <a:rPr lang="fr-FR"/>
-              <a:t>Apr. 17</a:t>
+              <a:rPr lang="fr-FR" dirty="0" err="1"/>
+              <a:t>Dec</a:t>
+            </a:r>
+            <a:r>
+              <a:rPr lang="fr-FR" dirty="0"/>
+              <a:t>. 2024</a:t>
             </a:r>
             <a:endParaRPr lang="en-US" dirty="0"/>
           </a:p>
@@ -5372,8 +5376,8 @@
         </p:nvSpPr>
         <p:spPr>
           <a:xfrm>
-            <a:off x="4770308" y="1267999"/>
-            <a:ext cx="2444269" cy="683312"/>
+            <a:off x="1907704" y="1268760"/>
+            <a:ext cx="5309658" cy="683312"/>
           </a:xfrm>
           <a:prstGeom prst="roundRect">
             <a:avLst/>
@@ -5421,8 +5425,8 @@
         </p:nvSpPr>
         <p:spPr>
           <a:xfrm>
-            <a:off x="4654394" y="1339190"/>
-            <a:ext cx="2497861" cy="683312"/>
+            <a:off x="1842598" y="1339190"/>
+            <a:ext cx="5309658" cy="683312"/>
           </a:xfrm>
           <a:prstGeom prst="roundRect">
             <a:avLst/>
@@ -5470,8 +5474,8 @@
         </p:nvSpPr>
         <p:spPr>
           <a:xfrm>
-            <a:off x="4588060" y="1415363"/>
-            <a:ext cx="2497861" cy="683312"/>
+            <a:off x="1776264" y="1415363"/>
+            <a:ext cx="5309658" cy="683312"/>
           </a:xfrm>
           <a:prstGeom prst="roundRect">
             <a:avLst/>
@@ -5496,165 +5500,46 @@
           <a:bodyPr rtlCol="0" anchor="ctr"/>
           <a:lstStyle/>
           <a:p>
-            <a:pPr algn="ctr"/>
-            <a:r>
-              <a:rPr lang="en-US" sz="1200" dirty="0"/>
-              <a:t>Downloaded</a:t>
-            </a:r>
-          </a:p>
-          <a:p>
-            <a:pPr algn="ctr"/>
-            <a:r>
-              <a:rPr lang="en-US" sz="1200" dirty="0"/>
-              <a:t>Applications</a:t>
-            </a:r>
-          </a:p>
-        </p:txBody>
-      </p:sp>
-      <p:sp>
-        <p:nvSpPr>
-          <p:cNvPr id="42" name="Rounded Rectangle 41"/>
-          <p:cNvSpPr/>
-          <p:nvPr/>
-        </p:nvSpPr>
-        <p:spPr>
-          <a:xfrm>
-            <a:off x="1962696" y="1264690"/>
-            <a:ext cx="2444269" cy="683312"/>
-          </a:xfrm>
-          <a:prstGeom prst="roundRect">
-            <a:avLst/>
-          </a:prstGeom>
-          <a:ln/>
-        </p:spPr>
-        <p:style>
-          <a:lnRef idx="2">
-            <a:schemeClr val="dk1"/>
-          </a:lnRef>
-          <a:fillRef idx="1">
-            <a:schemeClr val="lt1"/>
-          </a:fillRef>
-          <a:effectRef idx="0">
-            <a:schemeClr val="dk1"/>
-          </a:effectRef>
-          <a:fontRef idx="minor">
-            <a:schemeClr val="dk1"/>
-          </a:fontRef>
-        </p:style>
-        <p:txBody>
-          <a:bodyPr rtlCol="0" anchor="ctr"/>
-          <a:lstStyle/>
-          <a:p>
-            <a:pPr algn="ctr"/>
-            <a:r>
-              <a:rPr lang="en-US" sz="1200" dirty="0"/>
-              <a:t>Downloaded</a:t>
-            </a:r>
-          </a:p>
-          <a:p>
-            <a:pPr algn="ctr"/>
-            <a:r>
-              <a:rPr lang="en-US" sz="1200" dirty="0"/>
-              <a:t>Applications</a:t>
-            </a:r>
-          </a:p>
-        </p:txBody>
-      </p:sp>
-      <p:sp>
-        <p:nvSpPr>
-          <p:cNvPr id="43" name="Rounded Rectangle 42"/>
-          <p:cNvSpPr/>
-          <p:nvPr/>
-        </p:nvSpPr>
-        <p:spPr>
-          <a:xfrm>
-            <a:off x="1846782" y="1335881"/>
-            <a:ext cx="2497861" cy="683312"/>
-          </a:xfrm>
-          <a:prstGeom prst="roundRect">
-            <a:avLst/>
-          </a:prstGeom>
-          <a:ln/>
-        </p:spPr>
-        <p:style>
-          <a:lnRef idx="2">
-            <a:schemeClr val="dk1"/>
-          </a:lnRef>
-          <a:fillRef idx="1">
-            <a:schemeClr val="lt1"/>
-          </a:fillRef>
-          <a:effectRef idx="0">
-            <a:schemeClr val="dk1"/>
-          </a:effectRef>
-          <a:fontRef idx="minor">
-            <a:schemeClr val="dk1"/>
-          </a:fontRef>
-        </p:style>
-        <p:txBody>
-          <a:bodyPr rtlCol="0" anchor="ctr"/>
-          <a:lstStyle/>
-          <a:p>
-            <a:pPr algn="ctr"/>
-            <a:r>
-              <a:rPr lang="en-US" sz="1200" dirty="0"/>
-              <a:t>Downloaded</a:t>
-            </a:r>
-          </a:p>
-          <a:p>
-            <a:pPr algn="ctr"/>
-            <a:r>
-              <a:rPr lang="en-US" sz="1200" dirty="0"/>
-              <a:t>Applications</a:t>
-            </a:r>
-          </a:p>
-        </p:txBody>
-      </p:sp>
-      <p:sp>
-        <p:nvSpPr>
-          <p:cNvPr id="44" name="Rounded Rectangle 43"/>
-          <p:cNvSpPr/>
-          <p:nvPr/>
-        </p:nvSpPr>
-        <p:spPr>
-          <a:xfrm>
-            <a:off x="1780448" y="1412054"/>
-            <a:ext cx="2497861" cy="683312"/>
-          </a:xfrm>
-          <a:prstGeom prst="roundRect">
-            <a:avLst/>
-          </a:prstGeom>
-          <a:ln/>
-        </p:spPr>
-        <p:style>
-          <a:lnRef idx="2">
-            <a:schemeClr val="dk1"/>
-          </a:lnRef>
-          <a:fillRef idx="1">
-            <a:schemeClr val="lt1"/>
-          </a:fillRef>
-          <a:effectRef idx="0">
-            <a:schemeClr val="dk1"/>
-          </a:effectRef>
-          <a:fontRef idx="minor">
-            <a:schemeClr val="dk1"/>
-          </a:fontRef>
-        </p:style>
-        <p:txBody>
-          <a:bodyPr rtlCol="0" anchor="ctr"/>
-          <a:lstStyle/>
-          <a:p>
-            <a:pPr algn="ctr"/>
-            <a:r>
-              <a:rPr lang="en-US" sz="1200" dirty="0"/>
-              <a:t>Pre-installed</a:t>
-            </a:r>
-          </a:p>
-          <a:p>
-            <a:pPr algn="ctr"/>
-            <a:r>
-              <a:rPr lang="en-US" sz="1200" dirty="0"/>
-              <a:t>Applications</a:t>
-            </a:r>
+            <a:pPr marL="0" marR="0" lvl="0" indent="0" algn="ctr" defTabSz="914400" rtl="0" eaLnBrk="1" fontAlgn="auto" latinLnBrk="0" hangingPunct="1">
+              <a:lnSpc>
+                <a:spcPct val="100000"/>
+              </a:lnSpc>
+              <a:spcBef>
+                <a:spcPts val="0"/>
+              </a:spcBef>
+              <a:spcAft>
+                <a:spcPts val="0"/>
+              </a:spcAft>
+              <a:buClrTx/>
+              <a:buSzTx/>
+              <a:buFontTx/>
+              <a:buNone/>
+              <a:tabLst/>
+              <a:defRPr/>
+            </a:pPr>
+            <a:r>
+              <a:rPr lang="en-US" dirty="0">
+                <a:solidFill>
+                  <a:srgbClr val="4B5357"/>
+                </a:solidFill>
+                <a:latin typeface="Calibri Light"/>
+              </a:rPr>
+              <a:t>Sandboxed Applications</a:t>
+            </a:r>
+            <a:endParaRPr kumimoji="0" lang="en-US" sz="1800" b="0" i="0" u="none" strike="noStrike" kern="1200" cap="none" spc="0" normalizeH="0" baseline="0" noProof="0" dirty="0">
+              <a:ln>
+                <a:noFill/>
+              </a:ln>
+              <a:solidFill>
+                <a:srgbClr val="4B5357"/>
+              </a:solidFill>
+              <a:effectLst/>
+              <a:uLnTx/>
+              <a:uFillTx/>
+              <a:latin typeface="Calibri Light"/>
+              <a:ea typeface="+mn-ea"/>
+              <a:cs typeface="+mn-cs"/>
+            </a:endParaRPr>
           </a:p>
         </p:txBody>
       </p:sp>
